--- a/TSR_SPSP_Poster.pptx
+++ b/TSR_SPSP_Poster.pptx
@@ -288,7 +288,7 @@
           <a:p>
             <a:fld id="{ED9CE30B-578F-1D4A-AD84-326CEED407FE}" type="datetimeFigureOut">
               <a:rPr lang="en-US" smtClean="0"/>
-              <a:t>1/21/16</a:t>
+              <a:t>1/23/16</a:t>
             </a:fld>
             <a:endParaRPr lang="en-US"/>
           </a:p>
@@ -458,7 +458,7 @@
           <a:p>
             <a:fld id="{ED9CE30B-578F-1D4A-AD84-326CEED407FE}" type="datetimeFigureOut">
               <a:rPr lang="en-US" smtClean="0"/>
-              <a:t>1/21/16</a:t>
+              <a:t>1/23/16</a:t>
             </a:fld>
             <a:endParaRPr lang="en-US"/>
           </a:p>
@@ -638,7 +638,7 @@
           <a:p>
             <a:fld id="{ED9CE30B-578F-1D4A-AD84-326CEED407FE}" type="datetimeFigureOut">
               <a:rPr lang="en-US" smtClean="0"/>
-              <a:t>1/21/16</a:t>
+              <a:t>1/23/16</a:t>
             </a:fld>
             <a:endParaRPr lang="en-US"/>
           </a:p>
@@ -808,7 +808,7 @@
           <a:p>
             <a:fld id="{ED9CE30B-578F-1D4A-AD84-326CEED407FE}" type="datetimeFigureOut">
               <a:rPr lang="en-US" smtClean="0"/>
-              <a:t>1/21/16</a:t>
+              <a:t>1/23/16</a:t>
             </a:fld>
             <a:endParaRPr lang="en-US"/>
           </a:p>
@@ -1054,7 +1054,7 @@
           <a:p>
             <a:fld id="{ED9CE30B-578F-1D4A-AD84-326CEED407FE}" type="datetimeFigureOut">
               <a:rPr lang="en-US" smtClean="0"/>
-              <a:t>1/21/16</a:t>
+              <a:t>1/23/16</a:t>
             </a:fld>
             <a:endParaRPr lang="en-US"/>
           </a:p>
@@ -1342,7 +1342,7 @@
           <a:p>
             <a:fld id="{ED9CE30B-578F-1D4A-AD84-326CEED407FE}" type="datetimeFigureOut">
               <a:rPr lang="en-US" smtClean="0"/>
-              <a:t>1/21/16</a:t>
+              <a:t>1/23/16</a:t>
             </a:fld>
             <a:endParaRPr lang="en-US"/>
           </a:p>
@@ -1769,7 +1769,7 @@
           <a:p>
             <a:fld id="{ED9CE30B-578F-1D4A-AD84-326CEED407FE}" type="datetimeFigureOut">
               <a:rPr lang="en-US" smtClean="0"/>
-              <a:t>1/21/16</a:t>
+              <a:t>1/23/16</a:t>
             </a:fld>
             <a:endParaRPr lang="en-US"/>
           </a:p>
@@ -1887,7 +1887,7 @@
           <a:p>
             <a:fld id="{ED9CE30B-578F-1D4A-AD84-326CEED407FE}" type="datetimeFigureOut">
               <a:rPr lang="en-US" smtClean="0"/>
-              <a:t>1/21/16</a:t>
+              <a:t>1/23/16</a:t>
             </a:fld>
             <a:endParaRPr lang="en-US"/>
           </a:p>
@@ -1982,7 +1982,7 @@
           <a:p>
             <a:fld id="{ED9CE30B-578F-1D4A-AD84-326CEED407FE}" type="datetimeFigureOut">
               <a:rPr lang="en-US" smtClean="0"/>
-              <a:t>1/21/16</a:t>
+              <a:t>1/23/16</a:t>
             </a:fld>
             <a:endParaRPr lang="en-US"/>
           </a:p>
@@ -2259,7 +2259,7 @@
           <a:p>
             <a:fld id="{ED9CE30B-578F-1D4A-AD84-326CEED407FE}" type="datetimeFigureOut">
               <a:rPr lang="en-US" smtClean="0"/>
-              <a:t>1/21/16</a:t>
+              <a:t>1/23/16</a:t>
             </a:fld>
             <a:endParaRPr lang="en-US"/>
           </a:p>
@@ -2512,7 +2512,7 @@
           <a:p>
             <a:fld id="{ED9CE30B-578F-1D4A-AD84-326CEED407FE}" type="datetimeFigureOut">
               <a:rPr lang="en-US" smtClean="0"/>
-              <a:t>1/21/16</a:t>
+              <a:t>1/23/16</a:t>
             </a:fld>
             <a:endParaRPr lang="en-US"/>
           </a:p>
@@ -2725,7 +2725,7 @@
           <a:p>
             <a:fld id="{ED9CE30B-578F-1D4A-AD84-326CEED407FE}" type="datetimeFigureOut">
               <a:rPr lang="en-US" smtClean="0"/>
-              <a:t>1/21/16</a:t>
+              <a:t>1/23/16</a:t>
             </a:fld>
             <a:endParaRPr lang="en-US"/>
           </a:p>
@@ -3481,21 +3481,7 @@
                 <a:latin typeface="Arial" charset="0"/>
                 <a:cs typeface="Arial" charset="0"/>
               </a:rPr>
-              <a:t>, </a:t>
-            </a:r>
-            <a:r>
-              <a:rPr lang="en-GB" sz="3200" dirty="0" smtClean="0">
-                <a:latin typeface="Arial" charset="0"/>
-                <a:cs typeface="Arial" charset="0"/>
-              </a:rPr>
-              <a:t>Reproducibility Project: </a:t>
-            </a:r>
-            <a:r>
-              <a:rPr lang="en-GB" sz="3200" dirty="0" smtClean="0">
-                <a:latin typeface="Arial" charset="0"/>
-                <a:cs typeface="Arial" charset="0"/>
-              </a:rPr>
-              <a:t>Psychology</a:t>
+              <a:t>, Reproducibility Project: Psychology</a:t>
             </a:r>
             <a:r>
               <a:rPr lang="en-GB" sz="3200" baseline="30000" dirty="0" smtClean="0">
@@ -3943,7 +3929,16 @@
                 </a:solidFill>
                 <a:cs typeface="Arial" charset="0"/>
               </a:rPr>
-              <a:t>, Nelson, &amp; </a:t>
+              <a:t>, Nelson, &amp; Simmons</a:t>
+            </a:r>
+            <a:r>
+              <a:rPr lang="en-US" sz="3200" baseline="30000" dirty="0" smtClean="0">
+                <a:solidFill>
+                  <a:srgbClr val="000000"/>
+                </a:solidFill>
+                <a:cs typeface="Arial" charset="0"/>
+              </a:rPr>
+              <a:t>4</a:t>
             </a:r>
             <a:r>
               <a:rPr lang="en-US" sz="3200" dirty="0" smtClean="0">
@@ -3952,32 +3947,8 @@
                 </a:solidFill>
                 <a:cs typeface="Arial" charset="0"/>
               </a:rPr>
-              <a:t>Simmons</a:t>
-            </a:r>
-            <a:r>
-              <a:rPr lang="en-US" sz="3200" baseline="30000" dirty="0" smtClean="0">
-                <a:solidFill>
-                  <a:srgbClr val="000000"/>
-                </a:solidFill>
-                <a:cs typeface="Arial" charset="0"/>
-              </a:rPr>
-              <a:t>4</a:t>
-            </a:r>
-            <a:r>
-              <a:rPr lang="en-US" sz="3200" dirty="0" smtClean="0">
-                <a:solidFill>
-                  <a:srgbClr val="000000"/>
-                </a:solidFill>
-                <a:cs typeface="Arial" charset="0"/>
-              </a:rPr>
               <a:t>.</a:t>
             </a:r>
-            <a:endParaRPr lang="en-US" sz="3200" dirty="0" smtClean="0">
-              <a:solidFill>
-                <a:srgbClr val="000000"/>
-              </a:solidFill>
-              <a:cs typeface="Arial" charset="0"/>
-            </a:endParaRPr>
           </a:p>
           <a:p>
             <a:pPr marL="927100" indent="-514350">
@@ -4065,16 +4036,7 @@
                 </a:solidFill>
                 <a:cs typeface="Arial" charset="0"/>
               </a:rPr>
-              <a:t>-</a:t>
-            </a:r>
-            <a:r>
-              <a:rPr lang="en-US" sz="3200" dirty="0" smtClean="0">
-                <a:solidFill>
-                  <a:srgbClr val="000000"/>
-                </a:solidFill>
-                <a:cs typeface="Arial" charset="0"/>
-              </a:rPr>
-              <a:t>values</a:t>
+              <a:t>-values</a:t>
             </a:r>
             <a:r>
               <a:rPr lang="en-US" sz="3200" baseline="30000" dirty="0" smtClean="0">
@@ -4300,16 +4262,7 @@
                 </a:solidFill>
                 <a:cs typeface="Arial" charset="0"/>
               </a:rPr>
-              <a:t>Based on the difference between the expected and actual number of significant </a:t>
-            </a:r>
-            <a:r>
-              <a:rPr lang="en-US" sz="3200" dirty="0" smtClean="0">
-                <a:solidFill>
-                  <a:srgbClr val="000000"/>
-                </a:solidFill>
-                <a:cs typeface="Arial" charset="0"/>
-              </a:rPr>
-              <a:t>results</a:t>
+              <a:t>Based on the difference between the expected and actual number of significant results</a:t>
             </a:r>
             <a:r>
               <a:rPr lang="en-US" sz="3200" baseline="30000" dirty="0" smtClean="0">
@@ -4377,16 +4330,7 @@
                 </a:solidFill>
                 <a:cs typeface="Arial" charset="0"/>
               </a:rPr>
-              <a:t>-scores of test </a:t>
-            </a:r>
-            <a:r>
-              <a:rPr lang="en-US" sz="3200" dirty="0" smtClean="0">
-                <a:solidFill>
-                  <a:srgbClr val="000000"/>
-                </a:solidFill>
-                <a:cs typeface="Arial" charset="0"/>
-              </a:rPr>
-              <a:t>statistics</a:t>
+              <a:t>-scores of test statistics</a:t>
             </a:r>
             <a:r>
               <a:rPr lang="en-US" sz="3200" baseline="30000" dirty="0" smtClean="0">
@@ -4454,23 +4398,8 @@
                 </a:solidFill>
                 <a:cs typeface="Arial" charset="0"/>
               </a:rPr>
-              <a:t>Pearson correlation between the observed effect sizes and sample sizes in a </a:t>
-            </a:r>
-            <a:r>
-              <a:rPr lang="en-US" sz="3200" dirty="0" smtClean="0">
-                <a:solidFill>
-                  <a:srgbClr val="000000"/>
-                </a:solidFill>
-                <a:cs typeface="Arial" charset="0"/>
-              </a:rPr>
-              <a:t>paper</a:t>
-            </a:r>
-            <a:endParaRPr lang="en-US" sz="3200" dirty="0" smtClean="0">
-              <a:solidFill>
-                <a:srgbClr val="000000"/>
-              </a:solidFill>
-              <a:cs typeface="Arial" charset="0"/>
-            </a:endParaRPr>
+              <a:t>Pearson correlation between the observed effect sizes and sample sizes in a paper</a:t>
+            </a:r>
           </a:p>
           <a:p>
             <a:pPr marL="927100" indent="-514350">
@@ -4513,25 +4442,7 @@
                 </a:solidFill>
                 <a:cs typeface="Arial" charset="0"/>
               </a:rPr>
-              <a:t>edian </a:t>
-            </a:r>
-            <a:r>
-              <a:rPr lang="en-US" sz="3200" dirty="0" smtClean="0">
-                <a:solidFill>
-                  <a:srgbClr val="000000"/>
-                </a:solidFill>
-                <a:cs typeface="Arial" charset="0"/>
-              </a:rPr>
-              <a:t>sample size for included </a:t>
-            </a:r>
-            <a:r>
-              <a:rPr lang="en-US" sz="3200" dirty="0" smtClean="0">
-                <a:solidFill>
-                  <a:srgbClr val="000000"/>
-                </a:solidFill>
-                <a:cs typeface="Arial" charset="0"/>
-              </a:rPr>
-              <a:t>tests</a:t>
+              <a:t>edian sample size for included tests</a:t>
             </a:r>
             <a:r>
               <a:rPr lang="en-US" sz="3200" baseline="30000" dirty="0">
@@ -4679,16 +4590,34 @@
                 </a:solidFill>
                 <a:cs typeface="Arial" charset="0"/>
               </a:rPr>
-              <a:t>Replication Success </a:t>
-            </a:r>
-            <a:r>
-              <a:rPr lang="en-US" sz="3200" b="1" dirty="0" smtClean="0">
+              <a:t>Replication Success (dichotomous): </a:t>
+            </a:r>
+            <a:r>
+              <a:rPr lang="en-US" sz="3200" dirty="0" smtClean="0">
                 <a:solidFill>
                   <a:srgbClr val="000000"/>
                 </a:solidFill>
                 <a:cs typeface="Arial" charset="0"/>
               </a:rPr>
-              <a:t>(dichotomous): </a:t>
+              <a:t>Whether </a:t>
+            </a:r>
+            <a:r>
+              <a:rPr lang="en-US" sz="3200" smtClean="0">
+                <a:solidFill>
+                  <a:srgbClr val="000000"/>
+                </a:solidFill>
+                <a:cs typeface="Arial" charset="0"/>
+              </a:rPr>
+              <a:t>the </a:t>
+            </a:r>
+            <a:r>
+              <a:rPr lang="en-US" sz="3200" smtClean="0">
+                <a:solidFill>
+                  <a:srgbClr val="000000"/>
+                </a:solidFill>
+                <a:cs typeface="Arial" charset="0"/>
+              </a:rPr>
+              <a:t>weighted </a:t>
             </a:r>
             <a:r>
               <a:rPr lang="en-US" sz="3200" dirty="0" smtClean="0">
@@ -4697,7 +4626,25 @@
                 </a:solidFill>
                 <a:cs typeface="Arial" charset="0"/>
               </a:rPr>
-              <a:t>Whether the meta-analytic estimate of the effect size was significant a </a:t>
+              <a:t>estimate of the effect size was </a:t>
+            </a:r>
+            <a:r>
+              <a:rPr lang="en-US" sz="3200" smtClean="0">
+                <a:solidFill>
+                  <a:srgbClr val="000000"/>
+                </a:solidFill>
+                <a:cs typeface="Arial" charset="0"/>
+              </a:rPr>
+              <a:t>significant </a:t>
+            </a:r>
+            <a:r>
+              <a:rPr lang="en-US" sz="3200" smtClean="0">
+                <a:solidFill>
+                  <a:srgbClr val="000000"/>
+                </a:solidFill>
+                <a:cs typeface="Arial" charset="0"/>
+              </a:rPr>
+              <a:t>at </a:t>
             </a:r>
             <a:r>
               <a:rPr lang="en-US" sz="3200" i="1" dirty="0" smtClean="0">
@@ -4724,16 +4671,7 @@
                 </a:solidFill>
                 <a:cs typeface="Arial" charset="0"/>
               </a:rPr>
-              <a:t>&lt; .05</a:t>
-            </a:r>
-            <a:r>
-              <a:rPr lang="en-US" sz="3200" dirty="0" smtClean="0">
-                <a:solidFill>
-                  <a:srgbClr val="000000"/>
-                </a:solidFill>
-                <a:cs typeface="Arial" charset="0"/>
-              </a:rPr>
-              <a:t>.</a:t>
+              <a:t>&lt; .05.</a:t>
             </a:r>
             <a:endParaRPr lang="en-US" sz="3200" dirty="0">
               <a:solidFill>
@@ -5196,13 +5134,7 @@
               <a:rPr lang="en-GB" sz="3200" dirty="0" smtClean="0">
                 <a:cs typeface="Arial" charset="0"/>
               </a:rPr>
-              <a:t>so that papers consistently report information needed for meta-analytic and meta-scientific research (</a:t>
-            </a:r>
-            <a:r>
-              <a:rPr lang="en-GB" sz="3200" dirty="0" smtClean="0">
-                <a:cs typeface="Arial" charset="0"/>
-              </a:rPr>
-              <a:t>e.g., cell sizes, effect sizes, full model details).</a:t>
+              <a:t>so that papers consistently report information needed for meta-analytic and meta-scientific research (e.g., cell sizes, effect sizes, full model details).</a:t>
             </a:r>
           </a:p>
           <a:p>
@@ -5762,17 +5694,7 @@
                   <a:latin typeface="Lucida Sans" charset="0"/>
                   <a:cs typeface="Lucida Sans" charset="0"/>
                 </a:rPr>
-                <a:t>PDF, Data, </a:t>
-              </a:r>
-              <a:r>
-                <a:rPr lang="en-GB" sz="4800" b="1" dirty="0" smtClean="0">
-                  <a:solidFill>
-                    <a:srgbClr val="000000"/>
-                  </a:solidFill>
-                  <a:latin typeface="Lucida Sans" charset="0"/>
-                  <a:cs typeface="Lucida Sans" charset="0"/>
-                </a:rPr>
-                <a:t>&amp; Code</a:t>
+                <a:t>PDF, Data, &amp; Code</a:t>
               </a:r>
               <a:endParaRPr lang="en-GB" sz="3200" dirty="0" smtClean="0">
                 <a:cs typeface="Arial" charset="0"/>
@@ -5788,13 +5710,7 @@
                 <a:rPr lang="en-GB" sz="3200" dirty="0" smtClean="0">
                   <a:cs typeface="Arial" charset="0"/>
                 </a:rPr>
-                <a:t>https</a:t>
-              </a:r>
-              <a:r>
-                <a:rPr lang="en-GB" sz="3200" dirty="0" smtClean="0">
-                  <a:cs typeface="Arial" charset="0"/>
-                </a:rPr>
-                <a:t>://</a:t>
+                <a:t>https://</a:t>
               </a:r>
               <a:r>
                 <a:rPr lang="en-GB" sz="3200" dirty="0" err="1" smtClean="0">
@@ -5896,7 +5812,7 @@
           <p:nvPr>
             <p:extLst>
               <p:ext uri="{D42A27DB-BD31-4B8C-83A1-F6EECF244321}">
-                <p14:modId xmlns:p14="http://schemas.microsoft.com/office/powerpoint/2010/main" val="703792491"/>
+                <p14:modId xmlns:p14="http://schemas.microsoft.com/office/powerpoint/2010/main" val="3770910025"/>
               </p:ext>
             </p:extLst>
           </p:nvPr>
@@ -6236,18 +6152,7 @@
                           <a:latin typeface="Arial"/>
                           <a:cs typeface="Arial"/>
                         </a:rPr>
-                        <a:t>      </a:t>
-                      </a:r>
-                      <a:r>
-                        <a:rPr lang="en-US" sz="2800" u="none" strike="noStrike" dirty="0" smtClean="0">
-                          <a:solidFill>
-                            <a:schemeClr val="tx1"/>
-                          </a:solidFill>
-                          <a:effectLst/>
-                          <a:latin typeface="Arial"/>
-                          <a:cs typeface="Arial"/>
-                        </a:rPr>
-                        <a:t>3</a:t>
+                        <a:t>      3</a:t>
                       </a:r>
                       <a:endParaRPr lang="en-US" sz="2800" b="0" i="0" u="none" strike="noStrike" dirty="0">
                         <a:solidFill>
@@ -6289,18 +6194,7 @@
                           <a:latin typeface="Arial"/>
                           <a:cs typeface="Arial"/>
                         </a:rPr>
-                        <a:t>      </a:t>
-                      </a:r>
-                      <a:r>
-                        <a:rPr lang="en-US" sz="2800" u="none" strike="noStrike" dirty="0" smtClean="0">
-                          <a:solidFill>
-                            <a:schemeClr val="tx1"/>
-                          </a:solidFill>
-                          <a:effectLst/>
-                          <a:latin typeface="Arial"/>
-                          <a:cs typeface="Arial"/>
-                        </a:rPr>
-                        <a:t>4</a:t>
+                        <a:t>      4</a:t>
                       </a:r>
                       <a:endParaRPr lang="en-US" sz="2800" b="0" i="0" u="none" strike="noStrike" dirty="0">
                         <a:solidFill>
@@ -6685,7 +6579,10 @@
                     <a:p>
                       <a:pPr algn="r" fontAlgn="b"/>
                       <a:r>
-                        <a:rPr lang="en-US" sz="2800" b="1" u="none" strike="noStrike" dirty="0" smtClean="0">
+                        <a:rPr lang="en-US" sz="2800" b="1" i="0" u="none" strike="noStrike" dirty="0" smtClean="0">
+                          <a:solidFill>
+                            <a:srgbClr val="000000"/>
+                          </a:solidFill>
                           <a:effectLst/>
                           <a:latin typeface="Arial"/>
                           <a:cs typeface="Arial"/>
@@ -6693,24 +6590,19 @@
                         <a:t>.</a:t>
                       </a:r>
                       <a:r>
-                        <a:rPr lang="en-US" sz="2800" b="1" u="none" strike="noStrike" dirty="0">
+                        <a:rPr lang="en-US" sz="2800" b="1" i="0" u="none" strike="noStrike" dirty="0">
+                          <a:solidFill>
+                            <a:srgbClr val="000000"/>
+                          </a:solidFill>
                           <a:effectLst/>
                           <a:latin typeface="Arial"/>
                           <a:cs typeface="Arial"/>
                         </a:rPr>
                         <a:t>44</a:t>
                       </a:r>
-                      <a:endParaRPr lang="en-US" sz="2800" b="1" i="0" u="none" strike="noStrike" dirty="0">
-                        <a:solidFill>
-                          <a:srgbClr val="000000"/>
-                        </a:solidFill>
-                        <a:effectLst/>
-                        <a:latin typeface="Arial"/>
-                        <a:cs typeface="Arial"/>
-                      </a:endParaRPr>
-                    </a:p>
-                  </a:txBody>
-                  <a:tcPr marL="12700" marR="12700" marT="54864" marB="54864" anchor="b">
+                    </a:p>
+                  </a:txBody>
+                  <a:tcPr marL="12700" marR="12700" marT="12700" marB="0" anchor="b">
                     <a:solidFill>
                       <a:schemeClr val="bg1"/>
                     </a:solidFill>
@@ -6873,7 +6765,10 @@
                     <a:p>
                       <a:pPr algn="r" fontAlgn="b"/>
                       <a:r>
-                        <a:rPr lang="en-US" sz="2800" b="1" u="none" strike="noStrike" dirty="0" smtClean="0">
+                        <a:rPr lang="en-US" sz="2800" b="1" i="0" u="none" strike="noStrike" dirty="0" smtClean="0">
+                          <a:solidFill>
+                            <a:srgbClr val="000000"/>
+                          </a:solidFill>
                           <a:effectLst/>
                           <a:latin typeface="Arial"/>
                           <a:cs typeface="Arial"/>
@@ -6881,24 +6776,19 @@
                         <a:t>-.</a:t>
                       </a:r>
                       <a:r>
-                        <a:rPr lang="en-US" sz="2800" b="1" u="none" strike="noStrike" dirty="0">
+                        <a:rPr lang="en-US" sz="2800" b="1" i="0" u="none" strike="noStrike" dirty="0">
+                          <a:solidFill>
+                            <a:srgbClr val="000000"/>
+                          </a:solidFill>
                           <a:effectLst/>
                           <a:latin typeface="Arial"/>
                           <a:cs typeface="Arial"/>
                         </a:rPr>
                         <a:t>45</a:t>
                       </a:r>
-                      <a:endParaRPr lang="en-US" sz="2800" b="1" i="0" u="none" strike="noStrike" dirty="0">
-                        <a:solidFill>
-                          <a:srgbClr val="000000"/>
-                        </a:solidFill>
-                        <a:effectLst/>
-                        <a:latin typeface="Arial"/>
-                        <a:cs typeface="Arial"/>
-                      </a:endParaRPr>
-                    </a:p>
-                  </a:txBody>
-                  <a:tcPr marL="12700" marR="12700" marT="54864" marB="54864" anchor="b">
+                    </a:p>
+                  </a:txBody>
+                  <a:tcPr marL="12700" marR="12700" marT="12700" marB="0" anchor="b">
                     <a:solidFill>
                       <a:schemeClr val="bg1"/>
                     </a:solidFill>
@@ -7064,7 +6954,10 @@
                     <a:p>
                       <a:pPr algn="r" fontAlgn="b"/>
                       <a:r>
-                        <a:rPr lang="en-US" sz="2800" b="1" u="none" strike="noStrike" dirty="0" smtClean="0">
+                        <a:rPr lang="en-US" sz="2800" b="1" i="0" u="none" strike="noStrike" dirty="0" smtClean="0">
+                          <a:solidFill>
+                            <a:srgbClr val="000000"/>
+                          </a:solidFill>
                           <a:effectLst/>
                           <a:latin typeface="Arial"/>
                           <a:cs typeface="Arial"/>
@@ -7072,24 +6965,19 @@
                         <a:t>-.</a:t>
                       </a:r>
                       <a:r>
-                        <a:rPr lang="en-US" sz="2800" b="1" u="none" strike="noStrike" dirty="0">
-                          <a:effectLst/>
-                          <a:latin typeface="Arial"/>
-                          <a:cs typeface="Arial"/>
-                        </a:rPr>
-                        <a:t>44</a:t>
-                      </a:r>
-                      <a:endParaRPr lang="en-US" sz="2800" b="1" i="0" u="none" strike="noStrike" dirty="0">
-                        <a:solidFill>
-                          <a:srgbClr val="000000"/>
-                        </a:solidFill>
-                        <a:effectLst/>
-                        <a:latin typeface="Arial"/>
-                        <a:cs typeface="Arial"/>
-                      </a:endParaRPr>
-                    </a:p>
-                  </a:txBody>
-                  <a:tcPr marL="12700" marR="12700" marT="54864" marB="54864" anchor="b">
+                        <a:rPr lang="en-US" sz="2800" b="1" i="0" u="none" strike="noStrike" dirty="0">
+                          <a:solidFill>
+                            <a:srgbClr val="000000"/>
+                          </a:solidFill>
+                          <a:effectLst/>
+                          <a:latin typeface="Arial"/>
+                          <a:cs typeface="Arial"/>
+                        </a:rPr>
+                        <a:t>46</a:t>
+                      </a:r>
+                    </a:p>
+                  </a:txBody>
+                  <a:tcPr marL="12700" marR="12700" marT="12700" marB="0" anchor="b">
                     <a:solidFill>
                       <a:schemeClr val="bg1"/>
                     </a:solidFill>
@@ -7284,7 +7172,10 @@
                     <a:p>
                       <a:pPr algn="r" fontAlgn="b"/>
                       <a:r>
-                        <a:rPr lang="en-US" sz="2800" b="1" u="none" strike="noStrike" dirty="0" smtClean="0">
+                        <a:rPr lang="en-US" sz="2800" b="1" i="0" u="none" strike="noStrike" dirty="0" smtClean="0">
+                          <a:solidFill>
+                            <a:srgbClr val="000000"/>
+                          </a:solidFill>
                           <a:effectLst/>
                           <a:latin typeface="Arial"/>
                           <a:cs typeface="Arial"/>
@@ -7292,24 +7183,19 @@
                         <a:t>-.</a:t>
                       </a:r>
                       <a:r>
-                        <a:rPr lang="en-US" sz="2800" b="1" u="none" strike="noStrike" dirty="0">
-                          <a:effectLst/>
-                          <a:latin typeface="Arial"/>
-                          <a:cs typeface="Arial"/>
-                        </a:rPr>
-                        <a:t>05</a:t>
-                      </a:r>
-                      <a:endParaRPr lang="en-US" sz="2800" b="1" i="0" u="none" strike="noStrike" dirty="0">
-                        <a:solidFill>
-                          <a:srgbClr val="000000"/>
-                        </a:solidFill>
-                        <a:effectLst/>
-                        <a:latin typeface="Arial"/>
-                        <a:cs typeface="Arial"/>
-                      </a:endParaRPr>
-                    </a:p>
-                  </a:txBody>
-                  <a:tcPr marL="12700" marR="12700" marT="54864" marB="54864" anchor="b">
+                        <a:rPr lang="en-US" sz="2800" b="1" i="0" u="none" strike="noStrike" dirty="0">
+                          <a:solidFill>
+                            <a:srgbClr val="000000"/>
+                          </a:solidFill>
+                          <a:effectLst/>
+                          <a:latin typeface="Arial"/>
+                          <a:cs typeface="Arial"/>
+                        </a:rPr>
+                        <a:t>04</a:t>
+                      </a:r>
+                    </a:p>
+                  </a:txBody>
+                  <a:tcPr marL="12700" marR="12700" marT="12700" marB="0" anchor="b">
                     <a:solidFill>
                       <a:schemeClr val="bg1"/>
                     </a:solidFill>
@@ -7512,7 +7398,10 @@
                     <a:p>
                       <a:pPr algn="r" fontAlgn="b"/>
                       <a:r>
-                        <a:rPr lang="en-US" sz="2800" b="1" u="none" strike="noStrike" dirty="0" smtClean="0">
+                        <a:rPr lang="en-US" sz="2800" b="1" i="0" u="none" strike="noStrike" dirty="0" smtClean="0">
+                          <a:solidFill>
+                            <a:srgbClr val="000000"/>
+                          </a:solidFill>
                           <a:effectLst/>
                           <a:latin typeface="Arial"/>
                           <a:cs typeface="Arial"/>
@@ -7520,24 +7409,19 @@
                         <a:t>-.</a:t>
                       </a:r>
                       <a:r>
-                        <a:rPr lang="en-US" sz="2800" b="1" u="none" strike="noStrike" dirty="0">
+                        <a:rPr lang="en-US" sz="2800" b="1" i="0" u="none" strike="noStrike" dirty="0">
+                          <a:solidFill>
+                            <a:srgbClr val="000000"/>
+                          </a:solidFill>
                           <a:effectLst/>
                           <a:latin typeface="Arial"/>
                           <a:cs typeface="Arial"/>
                         </a:rPr>
                         <a:t>49</a:t>
                       </a:r>
-                      <a:endParaRPr lang="en-US" sz="2800" b="1" i="0" u="none" strike="noStrike" dirty="0">
-                        <a:solidFill>
-                          <a:srgbClr val="000000"/>
-                        </a:solidFill>
-                        <a:effectLst/>
-                        <a:latin typeface="Arial"/>
-                        <a:cs typeface="Arial"/>
-                      </a:endParaRPr>
-                    </a:p>
-                  </a:txBody>
-                  <a:tcPr marL="12700" marR="12700" marT="54864" marB="54864" anchor="b">
+                    </a:p>
+                  </a:txBody>
+                  <a:tcPr marL="12700" marR="12700" marT="12700" marB="0" anchor="b">
                     <a:solidFill>
                       <a:schemeClr val="bg1"/>
                     </a:solidFill>
@@ -7756,7 +7640,10 @@
                     <a:p>
                       <a:pPr algn="r" fontAlgn="b"/>
                       <a:r>
-                        <a:rPr lang="en-US" sz="2800" b="1" u="none" strike="noStrike" dirty="0" smtClean="0">
+                        <a:rPr lang="en-US" sz="2800" b="1" i="0" u="none" strike="noStrike" dirty="0" smtClean="0">
+                          <a:solidFill>
+                            <a:srgbClr val="000000"/>
+                          </a:solidFill>
                           <a:effectLst/>
                           <a:latin typeface="Arial"/>
                           <a:cs typeface="Arial"/>
@@ -7764,24 +7651,19 @@
                         <a:t>.</a:t>
                       </a:r>
                       <a:r>
-                        <a:rPr lang="en-US" sz="2800" b="1" u="none" strike="noStrike" dirty="0">
-                          <a:effectLst/>
-                          <a:latin typeface="Arial"/>
-                          <a:cs typeface="Arial"/>
-                        </a:rPr>
-                        <a:t>16</a:t>
-                      </a:r>
-                      <a:endParaRPr lang="en-US" sz="2800" b="1" i="0" u="none" strike="noStrike" dirty="0">
-                        <a:solidFill>
-                          <a:srgbClr val="000000"/>
-                        </a:solidFill>
-                        <a:effectLst/>
-                        <a:latin typeface="Arial"/>
-                        <a:cs typeface="Arial"/>
-                      </a:endParaRPr>
-                    </a:p>
-                  </a:txBody>
-                  <a:tcPr marL="12700" marR="12700" marT="54864" marB="54864" anchor="b">
+                        <a:rPr lang="en-US" sz="2800" b="1" i="0" u="none" strike="noStrike" dirty="0">
+                          <a:solidFill>
+                            <a:srgbClr val="000000"/>
+                          </a:solidFill>
+                          <a:effectLst/>
+                          <a:latin typeface="Arial"/>
+                          <a:cs typeface="Arial"/>
+                        </a:rPr>
+                        <a:t>14</a:t>
+                      </a:r>
+                    </a:p>
+                  </a:txBody>
+                  <a:tcPr marL="12700" marR="12700" marT="12700" marB="0" anchor="b">
                     <a:solidFill>
                       <a:schemeClr val="bg1"/>
                     </a:solidFill>
@@ -9420,15 +9302,7 @@
                           <a:latin typeface="Arial"/>
                           <a:cs typeface="Arial"/>
                         </a:rPr>
-                        <a:t>.</a:t>
-                      </a:r>
-                      <a:r>
-                        <a:rPr lang="en-US" sz="2800" u="none" strike="noStrike" dirty="0" smtClean="0">
-                          <a:effectLst/>
-                          <a:latin typeface="Arial"/>
-                          <a:cs typeface="Arial"/>
-                        </a:rPr>
-                        <a:t>85</a:t>
+                        <a:t>.85</a:t>
                       </a:r>
                       <a:endParaRPr lang="en-US" sz="2800" b="0" i="0" u="none" strike="noStrike" dirty="0">
                         <a:solidFill>
@@ -9675,66 +9549,6 @@
           </a:graphicData>
         </a:graphic>
       </p:graphicFrame>
-      <p:pic>
-        <p:nvPicPr>
-          <p:cNvPr id="11" name="Picture 10" descr="figure1.pdf"/>
-          <p:cNvPicPr>
-            <a:picLocks noChangeAspect="1"/>
-          </p:cNvPicPr>
-          <p:nvPr/>
-        </p:nvPicPr>
-        <p:blipFill>
-          <a:blip r:embed="rId5">
-            <a:extLst>
-              <a:ext uri="{28A0092B-C50C-407E-A947-70E740481C1C}">
-                <a14:useLocalDpi xmlns:a14="http://schemas.microsoft.com/office/drawing/2010/main" val="0"/>
-              </a:ext>
-            </a:extLst>
-          </a:blip>
-          <a:stretch>
-            <a:fillRect/>
-          </a:stretch>
-        </p:blipFill>
-        <p:spPr>
-          <a:xfrm>
-            <a:off x="14173200" y="4360545"/>
-            <a:ext cx="22860000" cy="13716000"/>
-          </a:xfrm>
-          <a:prstGeom prst="rect">
-            <a:avLst/>
-          </a:prstGeom>
-        </p:spPr>
-      </p:pic>
-      <p:pic>
-        <p:nvPicPr>
-          <p:cNvPr id="12" name="Picture 11" descr="figure2.pdf"/>
-          <p:cNvPicPr>
-            <a:picLocks noChangeAspect="1"/>
-          </p:cNvPicPr>
-          <p:nvPr/>
-        </p:nvPicPr>
-        <p:blipFill>
-          <a:blip r:embed="rId6">
-            <a:extLst>
-              <a:ext uri="{28A0092B-C50C-407E-A947-70E740481C1C}">
-                <a14:useLocalDpi xmlns:a14="http://schemas.microsoft.com/office/drawing/2010/main" val="0"/>
-              </a:ext>
-            </a:extLst>
-          </a:blip>
-          <a:stretch>
-            <a:fillRect/>
-          </a:stretch>
-        </p:blipFill>
-        <p:spPr>
-          <a:xfrm>
-            <a:off x="14173200" y="18655308"/>
-            <a:ext cx="22860000" cy="13716000"/>
-          </a:xfrm>
-          <a:prstGeom prst="rect">
-            <a:avLst/>
-          </a:prstGeom>
-        </p:spPr>
-      </p:pic>
       <p:sp>
         <p:nvSpPr>
           <p:cNvPr id="25" name="Text Box 74"/>
@@ -10026,6 +9840,66 @@
           </a:p>
         </p:txBody>
       </p:sp>
+      <p:pic>
+        <p:nvPicPr>
+          <p:cNvPr id="13" name="Picture 12" descr="figure1.pdf"/>
+          <p:cNvPicPr>
+            <a:picLocks noChangeAspect="1"/>
+          </p:cNvPicPr>
+          <p:nvPr/>
+        </p:nvPicPr>
+        <p:blipFill>
+          <a:blip r:embed="rId5">
+            <a:extLst>
+              <a:ext uri="{28A0092B-C50C-407E-A947-70E740481C1C}">
+                <a14:useLocalDpi xmlns:a14="http://schemas.microsoft.com/office/drawing/2010/main" val="0"/>
+              </a:ext>
+            </a:extLst>
+          </a:blip>
+          <a:stretch>
+            <a:fillRect/>
+          </a:stretch>
+        </p:blipFill>
+        <p:spPr>
+          <a:xfrm>
+            <a:off x="14173200" y="4360545"/>
+            <a:ext cx="22860000" cy="13716000"/>
+          </a:xfrm>
+          <a:prstGeom prst="rect">
+            <a:avLst/>
+          </a:prstGeom>
+        </p:spPr>
+      </p:pic>
+      <p:pic>
+        <p:nvPicPr>
+          <p:cNvPr id="14" name="Picture 13" descr="figure2.pdf"/>
+          <p:cNvPicPr>
+            <a:picLocks noChangeAspect="1"/>
+          </p:cNvPicPr>
+          <p:nvPr/>
+        </p:nvPicPr>
+        <p:blipFill>
+          <a:blip r:embed="rId6">
+            <a:extLst>
+              <a:ext uri="{28A0092B-C50C-407E-A947-70E740481C1C}">
+                <a14:useLocalDpi xmlns:a14="http://schemas.microsoft.com/office/drawing/2010/main" val="0"/>
+              </a:ext>
+            </a:extLst>
+          </a:blip>
+          <a:stretch>
+            <a:fillRect/>
+          </a:stretch>
+        </p:blipFill>
+        <p:spPr>
+          <a:xfrm>
+            <a:off x="14173200" y="18654558"/>
+            <a:ext cx="22860000" cy="13716000"/>
+          </a:xfrm>
+          <a:prstGeom prst="rect">
+            <a:avLst/>
+          </a:prstGeom>
+        </p:spPr>
+      </p:pic>
     </p:spTree>
     <p:extLst>
       <p:ext uri="{BB962C8B-B14F-4D97-AF65-F5344CB8AC3E}">
